--- a/Lecture09_PatientBehavior/L9Slides_PatientBehavior_2023W.pptx
+++ b/Lecture09_PatientBehavior/L9Slides_PatientBehavior_2023W.pptx
@@ -252,7 +252,7 @@
           <a:p>
             <a:fld id="{EF911157-0FC2-4F06-8D61-FD647FE4E19D}" type="datetimeFigureOut">
               <a:rPr lang="en-US" smtClean="0"/>
-              <a:t>3/13/2023</a:t>
+              <a:t>3/6/2024</a:t>
             </a:fld>
             <a:endParaRPr lang="en-US"/>
           </a:p>
@@ -572,7 +572,18 @@
               <a:buFont typeface="Arial" panose="020B0604020202020204" pitchFamily="34" charset="0"/>
               <a:buNone/>
             </a:pPr>
-            <a:endParaRPr lang="en-US" dirty="0"/>
+            <a:r>
+              <a:rPr lang="en-US" dirty="0"/>
+              <a:t>A possible paper to include here: thick market externalities *</a:t>
+            </a:r>
+            <a:r>
+              <a:rPr lang="en-US"/>
+              <a:t>with spillovers* and </a:t>
+            </a:r>
+            <a:r>
+              <a:rPr lang="en-US" dirty="0"/>
+              <a:t>opioids https://www.nber.org/system/files/working_papers/w32055/w32055.pdf. </a:t>
+            </a:r>
           </a:p>
         </p:txBody>
       </p:sp>
@@ -4712,7 +4723,7 @@
             <a:fld id="{0972D05C-DCFB-4BB6-B49C-AC126BF3ED2C}" type="datetimeFigureOut">
               <a:rPr lang="en-US" smtClean="0"/>
               <a:pPr/>
-              <a:t>3/13/2023</a:t>
+              <a:t>3/6/2024</a:t>
             </a:fld>
             <a:endParaRPr lang="en-US"/>
           </a:p>
@@ -4942,7 +4953,7 @@
             <a:fld id="{0972D05C-DCFB-4BB6-B49C-AC126BF3ED2C}" type="datetimeFigureOut">
               <a:rPr lang="en-US" smtClean="0"/>
               <a:pPr/>
-              <a:t>3/13/2023</a:t>
+              <a:t>3/6/2024</a:t>
             </a:fld>
             <a:endParaRPr lang="en-US"/>
           </a:p>
@@ -5124,7 +5135,7 @@
             <a:fld id="{0972D05C-DCFB-4BB6-B49C-AC126BF3ED2C}" type="datetimeFigureOut">
               <a:rPr lang="en-US" smtClean="0"/>
               <a:pPr/>
-              <a:t>3/13/2023</a:t>
+              <a:t>3/6/2024</a:t>
             </a:fld>
             <a:endParaRPr lang="en-US"/>
           </a:p>
@@ -5296,7 +5307,7 @@
             <a:fld id="{0972D05C-DCFB-4BB6-B49C-AC126BF3ED2C}" type="datetimeFigureOut">
               <a:rPr lang="en-US" smtClean="0"/>
               <a:pPr/>
-              <a:t>3/13/2023</a:t>
+              <a:t>3/6/2024</a:t>
             </a:fld>
             <a:endParaRPr lang="en-US"/>
           </a:p>
@@ -5552,7 +5563,7 @@
             <a:fld id="{0972D05C-DCFB-4BB6-B49C-AC126BF3ED2C}" type="datetimeFigureOut">
               <a:rPr lang="en-US" smtClean="0"/>
               <a:pPr/>
-              <a:t>3/13/2023</a:t>
+              <a:t>3/6/2024</a:t>
             </a:fld>
             <a:endParaRPr lang="en-US"/>
           </a:p>
@@ -5880,7 +5891,7 @@
             <a:fld id="{0972D05C-DCFB-4BB6-B49C-AC126BF3ED2C}" type="datetimeFigureOut">
               <a:rPr lang="en-US" smtClean="0"/>
               <a:pPr/>
-              <a:t>3/13/2023</a:t>
+              <a:t>3/6/2024</a:t>
             </a:fld>
             <a:endParaRPr lang="en-US"/>
           </a:p>
@@ -6333,7 +6344,7 @@
             <a:fld id="{0972D05C-DCFB-4BB6-B49C-AC126BF3ED2C}" type="datetimeFigureOut">
               <a:rPr lang="en-US" smtClean="0"/>
               <a:pPr/>
-              <a:t>3/13/2023</a:t>
+              <a:t>3/6/2024</a:t>
             </a:fld>
             <a:endParaRPr lang="en-US"/>
           </a:p>
@@ -6453,7 +6464,7 @@
             <a:fld id="{0972D05C-DCFB-4BB6-B49C-AC126BF3ED2C}" type="datetimeFigureOut">
               <a:rPr lang="en-US" smtClean="0"/>
               <a:pPr/>
-              <a:t>3/13/2023</a:t>
+              <a:t>3/6/2024</a:t>
             </a:fld>
             <a:endParaRPr lang="en-US"/>
           </a:p>
@@ -6550,7 +6561,7 @@
             <a:fld id="{0972D05C-DCFB-4BB6-B49C-AC126BF3ED2C}" type="datetimeFigureOut">
               <a:rPr lang="en-US" smtClean="0"/>
               <a:pPr/>
-              <a:t>3/13/2023</a:t>
+              <a:t>3/6/2024</a:t>
             </a:fld>
             <a:endParaRPr lang="en-US"/>
           </a:p>
@@ -6839,7 +6850,7 @@
             <a:fld id="{0972D05C-DCFB-4BB6-B49C-AC126BF3ED2C}" type="datetimeFigureOut">
               <a:rPr lang="en-US" smtClean="0"/>
               <a:pPr/>
-              <a:t>3/13/2023</a:t>
+              <a:t>3/6/2024</a:t>
             </a:fld>
             <a:endParaRPr lang="en-US"/>
           </a:p>
@@ -7163,7 +7174,7 @@
             <a:fld id="{0972D05C-DCFB-4BB6-B49C-AC126BF3ED2C}" type="datetimeFigureOut">
               <a:rPr lang="en-US" smtClean="0"/>
               <a:pPr/>
-              <a:t>3/13/2023</a:t>
+              <a:t>3/6/2024</a:t>
             </a:fld>
             <a:endParaRPr lang="en-US"/>
           </a:p>
@@ -7418,7 +7429,7 @@
             <a:fld id="{0972D05C-DCFB-4BB6-B49C-AC126BF3ED2C}" type="datetimeFigureOut">
               <a:rPr lang="en-US" smtClean="0"/>
               <a:pPr/>
-              <a:t>3/13/2023</a:t>
+              <a:t>3/6/2024</a:t>
             </a:fld>
             <a:endParaRPr lang="en-US" dirty="0"/>
           </a:p>
@@ -8341,8 +8352,8 @@
           </a:p>
         </p:txBody>
       </p:sp>
-      <mc:AlternateContent xmlns:mc="http://schemas.openxmlformats.org/markup-compatibility/2006">
-        <mc:Choice xmlns:a14="http://schemas.microsoft.com/office/drawing/2010/main" Requires="a14">
+      <mc:AlternateContent xmlns:mc="http://schemas.openxmlformats.org/markup-compatibility/2006" xmlns:a14="http://schemas.microsoft.com/office/drawing/2010/main">
+        <mc:Choice Requires="a14">
           <p:sp>
             <p:nvSpPr>
               <p:cNvPr id="4" name="Content Placeholder 3">
@@ -8481,7 +8492,7 @@
             </p:txBody>
           </p:sp>
         </mc:Choice>
-        <mc:Fallback>
+        <mc:Fallback xmlns="">
           <p:sp>
             <p:nvSpPr>
               <p:cNvPr id="4" name="Content Placeholder 3">
@@ -10819,8 +10830,8 @@
           </a:p>
         </p:txBody>
       </p:sp>
-      <mc:AlternateContent xmlns:mc="http://schemas.openxmlformats.org/markup-compatibility/2006">
-        <mc:Choice xmlns:a14="http://schemas.microsoft.com/office/drawing/2010/main" Requires="a14">
+      <mc:AlternateContent xmlns:mc="http://schemas.openxmlformats.org/markup-compatibility/2006" xmlns:a14="http://schemas.microsoft.com/office/drawing/2010/main">
+        <mc:Choice Requires="a14">
           <p:sp>
             <p:nvSpPr>
               <p:cNvPr id="3" name="Content Placeholder 2"/>
@@ -10900,7 +10911,7 @@
             </p:txBody>
           </p:sp>
         </mc:Choice>
-        <mc:Fallback>
+        <mc:Fallback xmlns="">
           <p:sp>
             <p:nvSpPr>
               <p:cNvPr id="3" name="Content Placeholder 2"/>
@@ -13303,6 +13314,13 @@
             <a:schemeClr val="lt1"/>
           </a:fontRef>
         </p:style>
+        <p:txBody>
+          <a:bodyPr/>
+          <a:lstStyle/>
+          <a:p>
+            <a:endParaRPr lang="en-US"/>
+          </a:p>
+        </p:txBody>
       </p:sp>
       <p:sp>
         <p:nvSpPr>
@@ -13358,6 +13376,13 @@
             <a:schemeClr val="lt1"/>
           </a:fontRef>
         </p:style>
+        <p:txBody>
+          <a:bodyPr/>
+          <a:lstStyle/>
+          <a:p>
+            <a:endParaRPr lang="en-US"/>
+          </a:p>
+        </p:txBody>
       </p:sp>
       <p:sp useBgFill="1">
         <p:nvSpPr>
@@ -13410,6 +13435,13 @@
             <a:schemeClr val="lt1"/>
           </a:fontRef>
         </p:style>
+        <p:txBody>
+          <a:bodyPr/>
+          <a:lstStyle/>
+          <a:p>
+            <a:endParaRPr lang="en-US"/>
+          </a:p>
+        </p:txBody>
       </p:sp>
       <p:sp>
         <p:nvSpPr>
@@ -14739,8 +14771,8 @@
           </a:p>
         </p:txBody>
       </p:sp>
-      <mc:AlternateContent xmlns:mc="http://schemas.openxmlformats.org/markup-compatibility/2006">
-        <mc:Choice xmlns:a14="http://schemas.microsoft.com/office/drawing/2010/main" Requires="a14">
+      <mc:AlternateContent xmlns:mc="http://schemas.openxmlformats.org/markup-compatibility/2006" xmlns:a14="http://schemas.microsoft.com/office/drawing/2010/main">
+        <mc:Choice Requires="a14">
           <p:sp>
             <p:nvSpPr>
               <p:cNvPr id="3" name="Content Placeholder 2"/>
@@ -14905,7 +14937,7 @@
             </p:txBody>
           </p:sp>
         </mc:Choice>
-        <mc:Fallback>
+        <mc:Fallback xmlns="">
           <p:sp>
             <p:nvSpPr>
               <p:cNvPr id="3" name="Content Placeholder 2"/>
